--- a/GAA/Maqueta_Gamificación_Fase2_19NOV2021_FINAL_PRODUCCIÓN.pptx
+++ b/GAA/Maqueta_Gamificación_Fase2_19NOV2021_FINAL_PRODUCCIÓN.pptx
@@ -3776,7 +3776,7 @@
           <p:cNvPr id="4" name="Imagen 3">
             <a:extLst>
               <a:ext uri="{FF2B5EF4-FFF2-40B4-BE49-F238E27FC236}">
-                <a16:creationId xmlns:a16="http://schemas.microsoft.com/office/drawing/2014/main" xmlns="" id="{9C167701-F7A1-4728-9709-DCFE654196F9}"/>
+                <a16:creationId xmlns="" xmlns:a16="http://schemas.microsoft.com/office/drawing/2014/main" id="{9C167701-F7A1-4728-9709-DCFE654196F9}"/>
               </a:ext>
             </a:extLst>
           </p:cNvPr>
@@ -3884,7 +3884,7 @@
           <p:cNvPr id="5" name="CuadroTexto 4">
             <a:extLst>
               <a:ext uri="{FF2B5EF4-FFF2-40B4-BE49-F238E27FC236}">
-                <a16:creationId xmlns:a16="http://schemas.microsoft.com/office/drawing/2014/main" xmlns="" id="{E125FC04-C554-459C-9AAB-BF83AC5D9CF8}"/>
+                <a16:creationId xmlns="" xmlns:a16="http://schemas.microsoft.com/office/drawing/2014/main" id="{E125FC04-C554-459C-9AAB-BF83AC5D9CF8}"/>
               </a:ext>
             </a:extLst>
           </p:cNvPr>
@@ -4165,7 +4165,7 @@
           <p:cNvPr id="3" name="Tabla 2">
             <a:extLst>
               <a:ext uri="{FF2B5EF4-FFF2-40B4-BE49-F238E27FC236}">
-                <a16:creationId xmlns:a16="http://schemas.microsoft.com/office/drawing/2014/main" xmlns="" id="{7B7B7F70-8225-4B44-99A1-FC7B4A8877B0}"/>
+                <a16:creationId xmlns="" xmlns:a16="http://schemas.microsoft.com/office/drawing/2014/main" id="{7B7B7F70-8225-4B44-99A1-FC7B4A8877B0}"/>
               </a:ext>
             </a:extLst>
           </p:cNvPr>
@@ -4194,14 +4194,14 @@
                 <a:gridCol w="8884919">
                   <a:extLst>
                     <a:ext uri="{9D8B030D-6E8A-4147-A177-3AD203B41FA5}">
-                      <a16:colId xmlns:a16="http://schemas.microsoft.com/office/drawing/2014/main" xmlns="" val="1506273372"/>
+                      <a16:colId xmlns="" xmlns:a16="http://schemas.microsoft.com/office/drawing/2014/main" val="1506273372"/>
                     </a:ext>
                   </a:extLst>
                 </a:gridCol>
                 <a:gridCol w="8884919">
                   <a:extLst>
                     <a:ext uri="{9D8B030D-6E8A-4147-A177-3AD203B41FA5}">
-                      <a16:colId xmlns:a16="http://schemas.microsoft.com/office/drawing/2014/main" xmlns="" val="287125046"/>
+                      <a16:colId xmlns="" xmlns:a16="http://schemas.microsoft.com/office/drawing/2014/main" val="287125046"/>
                     </a:ext>
                   </a:extLst>
                 </a:gridCol>
@@ -4237,7 +4237,7 @@
                 </a:tc>
                 <a:extLst>
                   <a:ext uri="{0D108BD9-81ED-4DB2-BD59-A6C34878D82A}">
-                    <a16:rowId xmlns:a16="http://schemas.microsoft.com/office/drawing/2014/main" xmlns="" val="3692042478"/>
+                    <a16:rowId xmlns="" xmlns:a16="http://schemas.microsoft.com/office/drawing/2014/main" val="3692042478"/>
                   </a:ext>
                 </a:extLst>
               </a:tr>
@@ -4250,7 +4250,7 @@
           <p:cNvPr id="4" name="CuadroTexto 3">
             <a:extLst>
               <a:ext uri="{FF2B5EF4-FFF2-40B4-BE49-F238E27FC236}">
-                <a16:creationId xmlns:a16="http://schemas.microsoft.com/office/drawing/2014/main" xmlns="" id="{235654BB-26EE-42EF-906F-40567E2436F4}"/>
+                <a16:creationId xmlns="" xmlns:a16="http://schemas.microsoft.com/office/drawing/2014/main" id="{235654BB-26EE-42EF-906F-40567E2436F4}"/>
               </a:ext>
             </a:extLst>
           </p:cNvPr>
@@ -4320,7 +4320,7 @@
           <p:cNvPr id="5" name="Flecha: hacia la izquierda 11">
             <a:extLst>
               <a:ext uri="{FF2B5EF4-FFF2-40B4-BE49-F238E27FC236}">
-                <a16:creationId xmlns:a16="http://schemas.microsoft.com/office/drawing/2014/main" xmlns="" id="{243A6876-4F8D-465C-8A31-023B0C09B3DA}"/>
+                <a16:creationId xmlns="" xmlns:a16="http://schemas.microsoft.com/office/drawing/2014/main" id="{243A6876-4F8D-465C-8A31-023B0C09B3DA}"/>
               </a:ext>
             </a:extLst>
           </p:cNvPr>
@@ -4369,7 +4369,7 @@
           <p:cNvPr id="6" name="Flecha: hacia la izquierda 12">
             <a:extLst>
               <a:ext uri="{FF2B5EF4-FFF2-40B4-BE49-F238E27FC236}">
-                <a16:creationId xmlns:a16="http://schemas.microsoft.com/office/drawing/2014/main" xmlns="" id="{8A421A42-62CB-4C8C-B9B7-E1127E7B45C5}"/>
+                <a16:creationId xmlns="" xmlns:a16="http://schemas.microsoft.com/office/drawing/2014/main" id="{8A421A42-62CB-4C8C-B9B7-E1127E7B45C5}"/>
               </a:ext>
             </a:extLst>
           </p:cNvPr>
